--- a/DOC/2016.03.27.rabbitmq.pptx
+++ b/DOC/2016.03.27.rabbitmq.pptx
@@ -139,7 +139,7 @@
   </p:defaultTextStyle>
   <p:extLst>
     <p:ext uri="{EFAFB233-063F-42B5-8137-9DF3F51BA10A}">
-      <p15:sldGuideLst xmlns:p15="http://schemas.microsoft.com/office/powerpoint/2012/main" xmlns="">
+      <p15:sldGuideLst xmlns="" xmlns:p15="http://schemas.microsoft.com/office/powerpoint/2012/main">
         <p15:guide id="1" orient="horz" pos="2160">
           <p15:clr>
             <a:srgbClr val="A4A3A4"/>
@@ -238,7 +238,7 @@
           <a:p>
             <a:fld id="{5CDB74DB-0759-4ADB-B1A0-DB1B4B2643D7}" type="datetimeFigureOut">
               <a:rPr lang="zh-CN" altLang="en-US" smtClean="0"/>
-              <a:t>2016-6-29</a:t>
+              <a:t>2017/3/10</a:t>
             </a:fld>
             <a:endParaRPr lang="zh-CN" altLang="en-US"/>
           </a:p>
@@ -404,7 +404,7 @@
           <a:p>
             <a:fld id="{3DE62FE9-26BC-4483-B8F9-6C49AEEA1FF2}" type="datetimeFigureOut">
               <a:rPr lang="zh-CN" altLang="en-US" smtClean="0"/>
-              <a:t>2016-6-29</a:t>
+              <a:t>2017/3/10</a:t>
             </a:fld>
             <a:endParaRPr lang="zh-CN" altLang="en-US"/>
           </a:p>
@@ -3112,7 +3112,7 @@
           <a:p>
             <a:fld id="{0FA0FEDE-A7FD-4F7D-9515-D8C1E06F723C}" type="datetime1">
               <a:rPr lang="zh-CN" altLang="en-US" smtClean="0"/>
-              <a:t>2016-6-29</a:t>
+              <a:t>2017/3/10</a:t>
             </a:fld>
             <a:endParaRPr lang="zh-CN" altLang="en-US"/>
           </a:p>
@@ -22605,12 +22605,24 @@
               <a:t>生产者、消费者 都可以定义 交换机、队列、绑定；</a:t>
             </a:r>
             <a:r>
-              <a:rPr lang="zh-CN" altLang="en-US" sz="1200" b="1" dirty="0"/>
+              <a:rPr lang="zh-CN" altLang="en-US" sz="1200" b="1" dirty="0">
+                <a:solidFill>
+                  <a:srgbClr val="FF0000"/>
+                </a:solidFill>
+              </a:rPr>
               <a:t>用不同的参数</a:t>
             </a:r>
             <a:r>
+              <a:rPr lang="zh-CN" altLang="en-US" sz="1200" dirty="0">
+                <a:solidFill>
+                  <a:srgbClr val="FF0000"/>
+                </a:solidFill>
+              </a:rPr>
+              <a:t>定义一个已经存在的交换机或队列会报错；</a:t>
+            </a:r>
+            <a:r>
               <a:rPr lang="zh-CN" altLang="en-US" sz="1200" dirty="0"/>
-              <a:t>定义一个已经存在的交换机或队列会报错；程序 更改绑定规则前要删除旧的，否则它会一直存在，直到交换机与队列都删了。</a:t>
+              <a:t>程序 更改绑定规则前要删除旧的，否则它会一直存在，直到交换机与队列都删了。</a:t>
             </a:r>
             <a:endParaRPr lang="en-US" altLang="zh-CN" sz="1200" dirty="0"/>
           </a:p>
@@ -22636,7 +22648,15 @@
             </a:r>
             <a:r>
               <a:rPr lang="zh-CN" altLang="en-US" sz="1200" dirty="0"/>
-              <a:t>重启后都会消失；当：交换机、队列、消息，这三个都设置为持久化时，消息才能真正的持久化。</a:t>
+              <a:t>重启后都会消失；</a:t>
+            </a:r>
+            <a:r>
+              <a:rPr lang="zh-CN" altLang="en-US" sz="1200" dirty="0">
+                <a:solidFill>
+                  <a:srgbClr val="FF0000"/>
+                </a:solidFill>
+              </a:rPr>
+              <a:t>当：交换机、队列、消息，这三个都设置为持久化时，消息才能真正的持久化。</a:t>
             </a:r>
             <a:r>
               <a:rPr lang="en-US" altLang="zh-CN" sz="1200" dirty="0"/>
@@ -22662,53 +22682,109 @@
             </a:pPr>
             <a:r>
               <a:rPr lang="zh-CN" altLang="en-US" sz="1200" dirty="0"/>
-              <a:t>使用事件绑定方式处理消息时，消息是会一次全收过来，但事件绑定是一个一个处理的，可以将</a:t>
-            </a:r>
-            <a:r>
-              <a:rPr lang="en-US" altLang="zh-CN" sz="1200" dirty="0" err="1"/>
+              <a:t>使用事件绑定方式处理消息时，消息是会一次全收过来，但事件绑定是一个一个处理的，</a:t>
+            </a:r>
+            <a:r>
+              <a:rPr lang="zh-CN" altLang="en-US" sz="1200" dirty="0">
+                <a:solidFill>
+                  <a:srgbClr val="FF0000"/>
+                </a:solidFill>
+              </a:rPr>
+              <a:t>可以将</a:t>
+            </a:r>
+            <a:r>
+              <a:rPr lang="en-US" altLang="zh-CN" sz="1200" dirty="0" err="1">
+                <a:solidFill>
+                  <a:srgbClr val="FF0000"/>
+                </a:solidFill>
+              </a:rPr>
               <a:t>EventingBasicConsumer</a:t>
             </a:r>
             <a:r>
-              <a:rPr lang="zh-CN" altLang="en-US" sz="1200" dirty="0"/>
+              <a:rPr lang="zh-CN" altLang="en-US" sz="1200" dirty="0">
+                <a:solidFill>
+                  <a:srgbClr val="FF0000"/>
+                </a:solidFill>
+              </a:rPr>
               <a:t>换成</a:t>
             </a:r>
             <a:r>
-              <a:rPr lang="en-US" altLang="zh-CN" sz="1200" dirty="0"/>
+              <a:rPr lang="en-US" altLang="zh-CN" sz="1200" dirty="0">
+                <a:solidFill>
+                  <a:srgbClr val="FF0000"/>
+                </a:solidFill>
+              </a:rPr>
               <a:t> </a:t>
             </a:r>
             <a:r>
-              <a:rPr lang="en-US" altLang="zh-CN" sz="1200" dirty="0" err="1"/>
+              <a:rPr lang="en-US" altLang="zh-CN" sz="1200" dirty="0" err="1">
+                <a:solidFill>
+                  <a:srgbClr val="FF0000"/>
+                </a:solidFill>
+              </a:rPr>
               <a:t>QueueingBasicConsumer</a:t>
             </a:r>
             <a:r>
-              <a:rPr lang="zh-CN" altLang="en-US" sz="1200" dirty="0"/>
+              <a:rPr lang="zh-CN" altLang="en-US" sz="1200" dirty="0">
+                <a:solidFill>
+                  <a:srgbClr val="FF0000"/>
+                </a:solidFill>
+              </a:rPr>
               <a:t>并自己处理这个队列的结果来批量操作</a:t>
             </a:r>
             <a:r>
-              <a:rPr lang="en-US" altLang="zh-CN" sz="1200" dirty="0"/>
+              <a:rPr lang="en-US" altLang="zh-CN" sz="1200" dirty="0">
+                <a:solidFill>
+                  <a:srgbClr val="FF0000"/>
+                </a:solidFill>
+              </a:rPr>
               <a:t>(</a:t>
             </a:r>
             <a:r>
-              <a:rPr lang="zh-CN" altLang="en-US" sz="1200" dirty="0"/>
+              <a:rPr lang="zh-CN" altLang="en-US" sz="1200" dirty="0">
+                <a:solidFill>
+                  <a:srgbClr val="FF0000"/>
+                </a:solidFill>
+              </a:rPr>
               <a:t>并非</a:t>
             </a:r>
             <a:r>
-              <a:rPr lang="en-US" altLang="zh-CN" sz="1200" dirty="0" err="1"/>
+              <a:rPr lang="en-US" altLang="zh-CN" sz="1200" dirty="0" err="1">
+                <a:solidFill>
+                  <a:srgbClr val="FF0000"/>
+                </a:solidFill>
+              </a:rPr>
               <a:t>.net</a:t>
             </a:r>
             <a:r>
-              <a:rPr lang="zh-CN" altLang="en-US" sz="1200" dirty="0"/>
+              <a:rPr lang="zh-CN" altLang="en-US" sz="1200" dirty="0">
+                <a:solidFill>
+                  <a:srgbClr val="FF0000"/>
+                </a:solidFill>
+              </a:rPr>
               <a:t>的并行队列</a:t>
             </a:r>
             <a:r>
-              <a:rPr lang="en-US" altLang="zh-CN" sz="1200" dirty="0"/>
+              <a:rPr lang="en-US" altLang="zh-CN" sz="1200" dirty="0">
+                <a:solidFill>
+                  <a:srgbClr val="FF0000"/>
+                </a:solidFill>
+              </a:rPr>
               <a:t>)</a:t>
             </a:r>
             <a:r>
-              <a:rPr lang="zh-CN" altLang="en-US" sz="1200" dirty="0"/>
+              <a:rPr lang="zh-CN" altLang="en-US" sz="1200" dirty="0">
+                <a:solidFill>
+                  <a:srgbClr val="FF0000"/>
+                </a:solidFill>
+              </a:rPr>
               <a:t>。</a:t>
             </a:r>
-            <a:endParaRPr lang="en-US" altLang="zh-CN" sz="1200" dirty="0"/>
+            <a:endParaRPr lang="en-US" altLang="zh-CN" sz="1200" dirty="0">
+              <a:solidFill>
+                <a:srgbClr val="FF0000"/>
+              </a:solidFill>
+            </a:endParaRPr>
           </a:p>
           <a:p>
             <a:pPr marL="228600" indent="-228600">
@@ -24501,56 +24577,56 @@
                 <a:gridCol w="1010451">
                   <a:extLst>
                     <a:ext uri="{9D8B030D-6E8A-4147-A177-3AD203B41FA5}">
-                      <a16:colId xmlns:a16="http://schemas.microsoft.com/office/drawing/2014/main" xmlns="" val="20000"/>
+                      <a16:colId xmlns="" xmlns:a16="http://schemas.microsoft.com/office/drawing/2014/main" val="20000"/>
                     </a:ext>
                   </a:extLst>
                 </a:gridCol>
                 <a:gridCol w="659599">
                   <a:extLst>
                     <a:ext uri="{9D8B030D-6E8A-4147-A177-3AD203B41FA5}">
-                      <a16:colId xmlns:a16="http://schemas.microsoft.com/office/drawing/2014/main" xmlns="" val="20001"/>
+                      <a16:colId xmlns="" xmlns:a16="http://schemas.microsoft.com/office/drawing/2014/main" val="20001"/>
                     </a:ext>
                   </a:extLst>
                 </a:gridCol>
                 <a:gridCol w="562198">
                   <a:extLst>
                     <a:ext uri="{9D8B030D-6E8A-4147-A177-3AD203B41FA5}">
-                      <a16:colId xmlns:a16="http://schemas.microsoft.com/office/drawing/2014/main" xmlns="" val="20002"/>
+                      <a16:colId xmlns="" xmlns:a16="http://schemas.microsoft.com/office/drawing/2014/main" val="20002"/>
                     </a:ext>
                   </a:extLst>
                 </a:gridCol>
                 <a:gridCol w="720080">
                   <a:extLst>
                     <a:ext uri="{9D8B030D-6E8A-4147-A177-3AD203B41FA5}">
-                      <a16:colId xmlns:a16="http://schemas.microsoft.com/office/drawing/2014/main" xmlns="" val="20003"/>
+                      <a16:colId xmlns="" xmlns:a16="http://schemas.microsoft.com/office/drawing/2014/main" val="20003"/>
                     </a:ext>
                   </a:extLst>
                 </a:gridCol>
                 <a:gridCol w="792088">
                   <a:extLst>
                     <a:ext uri="{9D8B030D-6E8A-4147-A177-3AD203B41FA5}">
-                      <a16:colId xmlns:a16="http://schemas.microsoft.com/office/drawing/2014/main" xmlns="" val="20004"/>
+                      <a16:colId xmlns="" xmlns:a16="http://schemas.microsoft.com/office/drawing/2014/main" val="20004"/>
                     </a:ext>
                   </a:extLst>
                 </a:gridCol>
                 <a:gridCol w="576064">
                   <a:extLst>
                     <a:ext uri="{9D8B030D-6E8A-4147-A177-3AD203B41FA5}">
-                      <a16:colId xmlns:a16="http://schemas.microsoft.com/office/drawing/2014/main" xmlns="" val="20005"/>
+                      <a16:colId xmlns="" xmlns:a16="http://schemas.microsoft.com/office/drawing/2014/main" val="20005"/>
                     </a:ext>
                   </a:extLst>
                 </a:gridCol>
                 <a:gridCol w="1080120">
                   <a:extLst>
                     <a:ext uri="{9D8B030D-6E8A-4147-A177-3AD203B41FA5}">
-                      <a16:colId xmlns:a16="http://schemas.microsoft.com/office/drawing/2014/main" xmlns="" val="20006"/>
+                      <a16:colId xmlns="" xmlns:a16="http://schemas.microsoft.com/office/drawing/2014/main" val="20006"/>
                     </a:ext>
                   </a:extLst>
                 </a:gridCol>
                 <a:gridCol w="2664296">
                   <a:extLst>
                     <a:ext uri="{9D8B030D-6E8A-4147-A177-3AD203B41FA5}">
-                      <a16:colId xmlns:a16="http://schemas.microsoft.com/office/drawing/2014/main" xmlns="" val="20007"/>
+                      <a16:colId xmlns="" xmlns:a16="http://schemas.microsoft.com/office/drawing/2014/main" val="20007"/>
                     </a:ext>
                   </a:extLst>
                 </a:gridCol>
@@ -25102,7 +25178,7 @@
                 </a:tc>
                 <a:extLst>
                   <a:ext uri="{0D108BD9-81ED-4DB2-BD59-A6C34878D82A}">
-                    <a16:rowId xmlns:a16="http://schemas.microsoft.com/office/drawing/2014/main" xmlns="" val="10000"/>
+                    <a16:rowId xmlns="" xmlns:a16="http://schemas.microsoft.com/office/drawing/2014/main" val="10000"/>
                   </a:ext>
                 </a:extLst>
               </a:tr>
@@ -25653,7 +25729,7 @@
                 </a:tc>
                 <a:extLst>
                   <a:ext uri="{0D108BD9-81ED-4DB2-BD59-A6C34878D82A}">
-                    <a16:rowId xmlns:a16="http://schemas.microsoft.com/office/drawing/2014/main" xmlns="" val="10001"/>
+                    <a16:rowId xmlns="" xmlns:a16="http://schemas.microsoft.com/office/drawing/2014/main" val="10001"/>
                   </a:ext>
                 </a:extLst>
               </a:tr>
@@ -26204,7 +26280,7 @@
                 </a:tc>
                 <a:extLst>
                   <a:ext uri="{0D108BD9-81ED-4DB2-BD59-A6C34878D82A}">
-                    <a16:rowId xmlns:a16="http://schemas.microsoft.com/office/drawing/2014/main" xmlns="" val="10002"/>
+                    <a16:rowId xmlns="" xmlns:a16="http://schemas.microsoft.com/office/drawing/2014/main" val="10002"/>
                   </a:ext>
                 </a:extLst>
               </a:tr>
@@ -26761,7 +26837,7 @@
                 </a:tc>
                 <a:extLst>
                   <a:ext uri="{0D108BD9-81ED-4DB2-BD59-A6C34878D82A}">
-                    <a16:rowId xmlns:a16="http://schemas.microsoft.com/office/drawing/2014/main" xmlns="" val="10003"/>
+                    <a16:rowId xmlns="" xmlns:a16="http://schemas.microsoft.com/office/drawing/2014/main" val="10003"/>
                   </a:ext>
                 </a:extLst>
               </a:tr>
@@ -27312,7 +27388,7 @@
                 </a:tc>
                 <a:extLst>
                   <a:ext uri="{0D108BD9-81ED-4DB2-BD59-A6C34878D82A}">
-                    <a16:rowId xmlns:a16="http://schemas.microsoft.com/office/drawing/2014/main" xmlns="" val="10004"/>
+                    <a16:rowId xmlns="" xmlns:a16="http://schemas.microsoft.com/office/drawing/2014/main" val="10004"/>
                   </a:ext>
                 </a:extLst>
               </a:tr>
@@ -27863,7 +27939,7 @@
                 </a:tc>
                 <a:extLst>
                   <a:ext uri="{0D108BD9-81ED-4DB2-BD59-A6C34878D82A}">
-                    <a16:rowId xmlns:a16="http://schemas.microsoft.com/office/drawing/2014/main" xmlns="" val="10005"/>
+                    <a16:rowId xmlns="" xmlns:a16="http://schemas.microsoft.com/office/drawing/2014/main" val="10005"/>
                   </a:ext>
                 </a:extLst>
               </a:tr>
@@ -28593,7 +28669,7 @@
           <a:graphicData uri="http://schemas.openxmlformats.org/presentationml/2006/ole">
             <mc:AlternateContent xmlns:mc="http://schemas.openxmlformats.org/markup-compatibility/2006">
               <mc:Choice xmlns:v="urn:schemas-microsoft-com:vml" Requires="v">
-                <p:oleObj spid="_x0000_s3087" name="包装程序外壳对象" showAsIcon="1" r:id="rId4" imgW="1472400" imgH="711360" progId="Package">
+                <p:oleObj spid="_x0000_s3088" name="包装程序外壳对象" showAsIcon="1" r:id="rId4" imgW="1472400" imgH="711360" progId="Package">
                   <p:embed/>
                 </p:oleObj>
               </mc:Choice>
